--- a/개발현황/webOS공모전 개발현황 최현식 20210726.pptx
+++ b/개발현황/webOS공모전 개발현황 최현식 20210726.pptx
@@ -19,7 +19,8 @@
     <p:sldId id="268" r:id="rId13"/>
     <p:sldId id="260" r:id="rId14"/>
     <p:sldId id="263" r:id="rId15"/>
-    <p:sldId id="271" r:id="rId16"/>
+    <p:sldId id="272" r:id="rId16"/>
+    <p:sldId id="271" r:id="rId17"/>
   </p:sldIdLst>
   <p:sldSz cx="12192000" cy="6858000"/>
   <p:notesSz cx="6858000" cy="9144000"/>
@@ -119,8 +120,51 @@
     </a:lvl9pPr>
   </p:defaultTextStyle>
   <p:extLst>
+    <p:ext uri="{521415D9-36F7-43E2-AB2F-B90AF26B5E84}">
+      <p14:sectionLst xmlns:p14="http://schemas.microsoft.com/office/powerpoint/2010/main">
+        <p14:section name="기본 구역" id="{6D53BB72-83DF-41F4-B891-26D2B603D907}">
+          <p14:sldIdLst>
+            <p14:sldId id="256"/>
+            <p14:sldId id="257"/>
+          </p14:sldIdLst>
+        </p14:section>
+        <p14:section name="서버구축" id="{3D613656-01FE-48A1-93F6-16AF1F5682D6}">
+          <p14:sldIdLst>
+            <p14:sldId id="258"/>
+            <p14:sldId id="269"/>
+            <p14:sldId id="261"/>
+            <p14:sldId id="262"/>
+          </p14:sldIdLst>
+        </p14:section>
+        <p14:section name="MQTT 서버" id="{D510837A-04F0-448A-8BB7-EF07EE9B9DD8}">
+          <p14:sldIdLst/>
+        </p14:section>
+        <p14:section name="파이어베이스 구축" id="{616D0668-0961-4567-AAE5-315EEFD7FC60}">
+          <p14:sldIdLst>
+            <p14:sldId id="259"/>
+            <p14:sldId id="265"/>
+            <p14:sldId id="266"/>
+            <p14:sldId id="270"/>
+            <p14:sldId id="267"/>
+            <p14:sldId id="268"/>
+          </p14:sldIdLst>
+        </p14:section>
+        <p14:section name="스트리밍 클라이언트" id="{1D759041-4EF5-48B4-9103-B96EA755C9A6}">
+          <p14:sldIdLst>
+            <p14:sldId id="260"/>
+          </p14:sldIdLst>
+        </p14:section>
+        <p14:section name="기타" id="{6C2E2E8C-8C81-4E96-83CE-29FDB9931465}">
+          <p14:sldIdLst>
+            <p14:sldId id="263"/>
+            <p14:sldId id="272"/>
+            <p14:sldId id="271"/>
+          </p14:sldIdLst>
+        </p14:section>
+      </p14:sectionLst>
+    </p:ext>
     <p:ext uri="{EFAFB233-063F-42B5-8137-9DF3F51BA10A}">
-      <p15:sldGuideLst xmlns="" xmlns:p15="http://schemas.microsoft.com/office/powerpoint/2012/main"/>
+      <p15:sldGuideLst xmlns:p15="http://schemas.microsoft.com/office/powerpoint/2012/main" xmlns=""/>
     </p:ext>
   </p:extLst>
 </p:presentation>
@@ -3031,11 +3075,7 @@
           <a:p>
             <a:r>
               <a:rPr lang="en-US" altLang="ko-KR" dirty="0" smtClean="0"/>
-              <a:t>2021.07.26 </a:t>
-            </a:r>
-            <a:r>
-              <a:rPr lang="en-US" altLang="ko-KR" dirty="0" smtClean="0"/>
-              <a:t>- </a:t>
+              <a:t>2021.07.26 - </a:t>
             </a:r>
             <a:r>
               <a:rPr lang="ko-KR" altLang="en-US" dirty="0" err="1" smtClean="0"/>
@@ -5290,8 +5330,175 @@
           <a:lstStyle/>
           <a:p>
             <a:r>
+              <a:rPr lang="ko-KR" altLang="en-US" dirty="0" err="1" smtClean="0"/>
+              <a:t>스마트홈측</a:t>
+            </a:r>
+            <a:r>
               <a:rPr lang="ko-KR" altLang="en-US" dirty="0" smtClean="0"/>
-              <a:t>다음주에 할거</a:t>
+              <a:t> 하드웨어 구성</a:t>
+            </a:r>
+            <a:endParaRPr lang="ko-KR" altLang="en-US" dirty="0"/>
+          </a:p>
+        </p:txBody>
+      </p:sp>
+      <p:pic>
+        <p:nvPicPr>
+          <p:cNvPr id="1026" name="Picture 2"/>
+          <p:cNvPicPr>
+            <a:picLocks noChangeAspect="1" noChangeArrowheads="1"/>
+          </p:cNvPicPr>
+          <p:nvPr/>
+        </p:nvPicPr>
+        <p:blipFill>
+          <a:blip r:embed="rId2">
+            <a:extLst>
+              <a:ext uri="{28A0092B-C50C-407E-A947-70E740481C1C}">
+                <a14:useLocalDpi xmlns:a14="http://schemas.microsoft.com/office/drawing/2010/main" val="0"/>
+              </a:ext>
+            </a:extLst>
+          </a:blip>
+          <a:srcRect/>
+          <a:stretch>
+            <a:fillRect/>
+          </a:stretch>
+        </p:blipFill>
+        <p:spPr bwMode="auto">
+          <a:xfrm>
+            <a:off x="155575" y="1906588"/>
+            <a:ext cx="9828088" cy="4481512"/>
+          </a:xfrm>
+          <a:prstGeom prst="rect">
+            <a:avLst/>
+          </a:prstGeom>
+          <a:noFill/>
+          <a:ln>
+            <a:noFill/>
+          </a:ln>
+          <a:effectLst/>
+          <a:extLst>
+            <a:ext uri="{909E8E84-426E-40DD-AFC4-6F175D3DCCD1}">
+              <a14:hiddenFill xmlns:a14="http://schemas.microsoft.com/office/drawing/2010/main">
+                <a:solidFill>
+                  <a:schemeClr val="accent1"/>
+                </a:solidFill>
+              </a14:hiddenFill>
+            </a:ext>
+            <a:ext uri="{91240B29-F687-4F45-9708-019B960494DF}">
+              <a14:hiddenLine xmlns:a14="http://schemas.microsoft.com/office/drawing/2010/main" w="9525">
+                <a:solidFill>
+                  <a:schemeClr val="tx1"/>
+                </a:solidFill>
+                <a:miter lim="800000"/>
+                <a:headEnd/>
+                <a:tailEnd/>
+              </a14:hiddenLine>
+            </a:ext>
+            <a:ext uri="{AF507438-7753-43E0-B8FC-AC1667EBCBE1}">
+              <a14:hiddenEffects xmlns:a14="http://schemas.microsoft.com/office/drawing/2010/main">
+                <a:effectLst>
+                  <a:outerShdw dist="35921" dir="2700000" algn="ctr" rotWithShape="0">
+                    <a:schemeClr val="bg2"/>
+                  </a:outerShdw>
+                </a:effectLst>
+              </a14:hiddenEffects>
+            </a:ext>
+          </a:extLst>
+        </p:spPr>
+      </p:pic>
+      <p:sp>
+        <p:nvSpPr>
+          <p:cNvPr id="4" name="TextBox 3"/>
+          <p:cNvSpPr txBox="1"/>
+          <p:nvPr/>
+        </p:nvSpPr>
+        <p:spPr>
+          <a:xfrm>
+            <a:off x="425450" y="6375400"/>
+            <a:ext cx="646331" cy="369332"/>
+          </a:xfrm>
+          <a:prstGeom prst="rect">
+            <a:avLst/>
+          </a:prstGeom>
+          <a:noFill/>
+        </p:spPr>
+        <p:txBody>
+          <a:bodyPr wrap="none" rtlCol="0">
+            <a:spAutoFit/>
+          </a:bodyPr>
+          <a:lstStyle/>
+          <a:p>
+            <a:r>
+              <a:rPr lang="ko-KR" altLang="en-US" smtClean="0"/>
+              <a:t>부저</a:t>
+            </a:r>
+            <a:endParaRPr lang="ko-KR" altLang="en-US" dirty="0"/>
+          </a:p>
+        </p:txBody>
+      </p:sp>
+    </p:spTree>
+    <p:extLst>
+      <p:ext uri="{BB962C8B-B14F-4D97-AF65-F5344CB8AC3E}">
+        <p14:creationId xmlns:p14="http://schemas.microsoft.com/office/powerpoint/2010/main" val="2315652158"/>
+      </p:ext>
+    </p:extLst>
+  </p:cSld>
+  <p:clrMapOvr>
+    <a:masterClrMapping/>
+  </p:clrMapOvr>
+</p:sld>
+</file>
+
+<file path=ppt/slides/slide16.xml><?xml version="1.0" encoding="utf-8"?>
+<p:sld xmlns:a="http://schemas.openxmlformats.org/drawingml/2006/main" xmlns:r="http://schemas.openxmlformats.org/officeDocument/2006/relationships" xmlns:p="http://schemas.openxmlformats.org/presentationml/2006/main">
+  <p:cSld>
+    <p:spTree>
+      <p:nvGrpSpPr>
+        <p:cNvPr id="1" name=""/>
+        <p:cNvGrpSpPr/>
+        <p:nvPr/>
+      </p:nvGrpSpPr>
+      <p:grpSpPr>
+        <a:xfrm>
+          <a:off x="0" y="0"/>
+          <a:ext cx="0" cy="0"/>
+          <a:chOff x="0" y="0"/>
+          <a:chExt cx="0" cy="0"/>
+        </a:xfrm>
+      </p:grpSpPr>
+      <p:sp>
+        <p:nvSpPr>
+          <p:cNvPr id="2" name="제목 1"/>
+          <p:cNvSpPr>
+            <a:spLocks noGrp="1"/>
+          </p:cNvSpPr>
+          <p:nvPr>
+            <p:ph type="title"/>
+          </p:nvPr>
+        </p:nvSpPr>
+        <p:spPr/>
+        <p:txBody>
+          <a:bodyPr/>
+          <a:lstStyle/>
+          <a:p>
+            <a:r>
+              <a:rPr lang="ko-KR" altLang="en-US" dirty="0" err="1" smtClean="0"/>
+              <a:t>이</a:t>
+            </a:r>
+            <a:r>
+              <a:rPr lang="ko-KR" altLang="en-US" dirty="0" err="1"/>
+              <a:t>번</a:t>
+            </a:r>
+            <a:r>
+              <a:rPr lang="ko-KR" altLang="en-US" dirty="0" err="1" smtClean="0"/>
+              <a:t>주에</a:t>
+            </a:r>
+            <a:r>
+              <a:rPr lang="ko-KR" altLang="en-US" dirty="0" smtClean="0"/>
+              <a:t> </a:t>
+            </a:r>
+            <a:r>
+              <a:rPr lang="ko-KR" altLang="en-US" dirty="0" smtClean="0"/>
+              <a:t>할거</a:t>
             </a:r>
             <a:endParaRPr lang="ko-KR" altLang="en-US" dirty="0"/>
           </a:p>
@@ -5307,7 +5514,7 @@
             <p:ph idx="1"/>
             <p:extLst>
               <p:ext uri="{D42A27DB-BD31-4B8C-83A1-F6EECF244321}">
-                <p14:modId xmlns:p14="http://schemas.microsoft.com/office/powerpoint/2010/main" val="420126772"/>
+                <p14:modId xmlns:p14="http://schemas.microsoft.com/office/powerpoint/2010/main" val="1067213357"/>
               </p:ext>
             </p:extLst>
           </p:nvPr>
@@ -5401,7 +5608,60 @@
                       <a:pPr latinLnBrk="1"/>
                       <a:r>
                         <a:rPr lang="en-US" altLang="ko-KR" dirty="0" smtClean="0"/>
-                        <a:t> - </a:t>
+                        <a:t>1. </a:t>
+                      </a:r>
+                      <a:r>
+                        <a:rPr lang="ko-KR" altLang="en-US" dirty="0" smtClean="0"/>
+                        <a:t>회로도 그리기</a:t>
+                      </a:r>
+                    </a:p>
+                    <a:p>
+                      <a:pPr latinLnBrk="1"/>
+                      <a:r>
+                        <a:rPr lang="en-US" altLang="ko-KR" dirty="0" smtClean="0"/>
+                        <a:t>2. </a:t>
+                      </a:r>
+                      <a:r>
+                        <a:rPr lang="ko-KR" altLang="en-US" dirty="0" smtClean="0"/>
+                        <a:t>키워드</a:t>
+                      </a:r>
+                      <a:r>
+                        <a:rPr lang="en-US" altLang="ko-KR" dirty="0" smtClean="0"/>
+                        <a:t>(TEST1, TEST2, TESE3)</a:t>
+                      </a:r>
+                      <a:r>
+                        <a:rPr lang="ko-KR" altLang="en-US" dirty="0" smtClean="0"/>
+                        <a:t>에 맞게 데이터 뿌리기 </a:t>
+                      </a:r>
+                      <a:r>
+                        <a:rPr lang="en-US" altLang="ko-KR" dirty="0" smtClean="0"/>
+                        <a:t>(</a:t>
+                      </a:r>
+                      <a:r>
+                        <a:rPr lang="ko-KR" altLang="en-US" dirty="0" err="1" smtClean="0"/>
+                        <a:t>스마트폰</a:t>
+                      </a:r>
+                      <a:r>
+                        <a:rPr lang="en-US" altLang="ko-KR" dirty="0" smtClean="0"/>
+                        <a:t>)</a:t>
+                      </a:r>
+                    </a:p>
+                    <a:p>
+                      <a:pPr latinLnBrk="1"/>
+                      <a:r>
+                        <a:rPr lang="en-US" altLang="ko-KR" dirty="0" smtClean="0"/>
+                        <a:t>3. </a:t>
+                      </a:r>
+                      <a:r>
+                        <a:rPr lang="ko-KR" altLang="en-US" dirty="0" smtClean="0"/>
+                        <a:t>음성인식 대충 구현해보기</a:t>
+                      </a:r>
+                    </a:p>
+                    <a:p>
+                      <a:pPr latinLnBrk="1"/>
+                      <a:r>
+                        <a:rPr lang="en-US" altLang="ko-KR" dirty="0" smtClean="0"/>
+                        <a:t>4. </a:t>
                       </a:r>
                       <a:r>
                         <a:rPr lang="ko-KR" altLang="en-US" dirty="0" err="1" smtClean="0"/>
@@ -5409,43 +5669,331 @@
                       </a:r>
                       <a:r>
                         <a:rPr lang="ko-KR" altLang="en-US" dirty="0" smtClean="0"/>
-                        <a:t> 보강</a:t>
-                      </a:r>
+                        <a:t> 보강 </a:t>
+                      </a:r>
+                      <a:r>
+                        <a:rPr lang="en-US" altLang="ko-KR" dirty="0" smtClean="0"/>
+                        <a:t>(</a:t>
+                      </a:r>
+                      <a:r>
+                        <a:rPr lang="ko-KR" altLang="en-US" dirty="0" err="1" smtClean="0"/>
+                        <a:t>메인화면</a:t>
+                      </a:r>
+                      <a:r>
+                        <a:rPr lang="ko-KR" altLang="en-US" dirty="0" smtClean="0"/>
+                        <a:t> 만들기</a:t>
+                      </a:r>
+                      <a:r>
+                        <a:rPr lang="en-US" altLang="ko-KR" dirty="0" smtClean="0"/>
+                        <a:t>)</a:t>
+                      </a:r>
+                      <a:br>
+                        <a:rPr lang="en-US" altLang="ko-KR" dirty="0" smtClean="0"/>
+                      </a:br>
+                      <a:r>
+                        <a:rPr lang="en-US" altLang="ko-KR" dirty="0" smtClean="0"/>
+                        <a:t/>
+                      </a:r>
+                      <a:br>
+                        <a:rPr lang="en-US" altLang="ko-KR" dirty="0" smtClean="0"/>
+                      </a:br>
+                      <a:r>
+                        <a:rPr lang="en-US" altLang="ko-KR" sz="1600" dirty="0" smtClean="0"/>
+                        <a:t>PCB </a:t>
+                      </a:r>
+                      <a:r>
+                        <a:rPr lang="ko-KR" altLang="en-US" sz="1600" dirty="0" smtClean="0"/>
+                        <a:t>기능</a:t>
+                      </a:r>
+                      <a:r>
+                        <a:rPr lang="en-US" altLang="ko-KR" sz="1600" dirty="0" smtClean="0"/>
+                        <a:t>:</a:t>
+                      </a:r>
+                    </a:p>
+                    <a:p>
+                      <a:pPr latinLnBrk="1"/>
+                      <a:r>
+                        <a:rPr lang="en-US" altLang="ko-KR" sz="1400" dirty="0" smtClean="0"/>
+                        <a:t>1. </a:t>
+                      </a:r>
+                      <a:r>
+                        <a:rPr lang="ko-KR" altLang="en-US" sz="1400" dirty="0" smtClean="0"/>
+                        <a:t>빗물 감지해서 자동으로 </a:t>
+                      </a:r>
+                      <a:r>
+                        <a:rPr lang="ko-KR" altLang="en-US" sz="1400" dirty="0" err="1" smtClean="0"/>
+                        <a:t>창문닫기</a:t>
+                      </a:r>
+                      <a:endParaRPr lang="ko-KR" altLang="en-US" sz="1400" dirty="0" smtClean="0"/>
+                    </a:p>
+                    <a:p>
+                      <a:pPr latinLnBrk="1"/>
+                      <a:r>
+                        <a:rPr lang="en-US" altLang="ko-KR" sz="1400" dirty="0" smtClean="0"/>
+                        <a:t>2. </a:t>
+                      </a:r>
+                      <a:r>
+                        <a:rPr lang="ko-KR" altLang="en-US" sz="1400" dirty="0" smtClean="0"/>
+                        <a:t>집안 </a:t>
+                      </a:r>
+                      <a:r>
+                        <a:rPr lang="ko-KR" altLang="en-US" sz="1400" dirty="0" err="1" smtClean="0"/>
+                        <a:t>온습도</a:t>
+                      </a:r>
+                      <a:r>
+                        <a:rPr lang="ko-KR" altLang="en-US" sz="1400" dirty="0" smtClean="0"/>
+                        <a:t> 체크해서 </a:t>
+                      </a:r>
+                      <a:r>
+                        <a:rPr lang="en-US" altLang="ko-KR" sz="1400" dirty="0" smtClean="0"/>
+                        <a:t>LCD</a:t>
+                      </a:r>
+                      <a:r>
+                        <a:rPr lang="ko-KR" altLang="en-US" sz="1400" dirty="0" smtClean="0"/>
+                        <a:t>에 표시</a:t>
+                      </a:r>
+                    </a:p>
+                    <a:p>
+                      <a:pPr latinLnBrk="1"/>
+                      <a:r>
+                        <a:rPr lang="en-US" altLang="ko-KR" sz="1400" dirty="0" smtClean="0"/>
+                        <a:t>3. </a:t>
+                      </a:r>
+                      <a:r>
+                        <a:rPr lang="ko-KR" altLang="en-US" sz="1400" dirty="0" smtClean="0"/>
+                        <a:t>에어컨</a:t>
+                      </a:r>
+                      <a:r>
+                        <a:rPr lang="en-US" altLang="ko-KR" sz="1400" dirty="0" smtClean="0"/>
+                        <a:t>/</a:t>
+                      </a:r>
+                      <a:r>
+                        <a:rPr lang="ko-KR" altLang="en-US" sz="1400" dirty="0" smtClean="0"/>
+                        <a:t>보일러 온도 </a:t>
+                      </a:r>
+                      <a:r>
+                        <a:rPr lang="en-US" altLang="ko-KR" sz="1400" dirty="0" smtClean="0"/>
+                        <a:t>LCD</a:t>
+                      </a:r>
+                      <a:r>
+                        <a:rPr lang="ko-KR" altLang="en-US" sz="1400" dirty="0" smtClean="0"/>
+                        <a:t>에 표시</a:t>
+                      </a:r>
+                    </a:p>
+                    <a:p>
+                      <a:pPr latinLnBrk="1"/>
+                      <a:r>
+                        <a:rPr lang="en-US" altLang="ko-KR" sz="1400" dirty="0" smtClean="0"/>
+                        <a:t>4. </a:t>
+                      </a:r>
+                      <a:r>
+                        <a:rPr lang="ko-KR" altLang="en-US" sz="1400" dirty="0" smtClean="0"/>
+                        <a:t>전등 </a:t>
+                      </a:r>
+                      <a:r>
+                        <a:rPr lang="en-US" altLang="ko-KR" sz="1400" dirty="0" smtClean="0"/>
+                        <a:t>ON/OFF (</a:t>
+                      </a:r>
+                      <a:r>
+                        <a:rPr lang="ko-KR" altLang="en-US" sz="1400" dirty="0" smtClean="0"/>
+                        <a:t>릴레이</a:t>
+                      </a:r>
+                      <a:r>
+                        <a:rPr lang="en-US" altLang="ko-KR" sz="1400" dirty="0" smtClean="0"/>
+                        <a:t>)</a:t>
+                      </a:r>
+                    </a:p>
+                    <a:p>
+                      <a:pPr latinLnBrk="1"/>
+                      <a:r>
+                        <a:rPr lang="en-US" altLang="ko-KR" sz="1400" dirty="0" smtClean="0"/>
+                        <a:t>5. </a:t>
+                      </a:r>
+                      <a:r>
+                        <a:rPr lang="ko-KR" altLang="en-US" sz="1400" dirty="0" smtClean="0"/>
+                        <a:t>창문 제어</a:t>
+                      </a:r>
+                      <a:r>
+                        <a:rPr lang="en-US" altLang="ko-KR" sz="1400" dirty="0" smtClean="0"/>
+                        <a:t>(</a:t>
+                      </a:r>
+                      <a:r>
+                        <a:rPr lang="ko-KR" altLang="en-US" sz="1400" dirty="0" smtClean="0"/>
+                        <a:t>서브모터</a:t>
+                      </a:r>
+                      <a:r>
+                        <a:rPr lang="en-US" altLang="ko-KR" sz="1400" dirty="0" smtClean="0"/>
+                        <a:t>)</a:t>
+                      </a:r>
+                    </a:p>
+                    <a:p>
+                      <a:pPr latinLnBrk="1"/>
+                      <a:r>
+                        <a:rPr lang="en-US" altLang="ko-KR" sz="1400" dirty="0" smtClean="0"/>
+                        <a:t>6. </a:t>
+                      </a:r>
+                      <a:r>
+                        <a:rPr lang="ko-KR" altLang="en-US" sz="1400" dirty="0" smtClean="0"/>
+                        <a:t>공기청정기</a:t>
+                      </a:r>
+                      <a:r>
+                        <a:rPr lang="en-US" altLang="ko-KR" sz="1400" dirty="0" smtClean="0"/>
+                        <a:t>/</a:t>
+                      </a:r>
+                      <a:r>
+                        <a:rPr lang="ko-KR" altLang="en-US" sz="1400" dirty="0" smtClean="0"/>
+                        <a:t>가스밸브 </a:t>
+                      </a:r>
+                      <a:r>
+                        <a:rPr lang="en-US" altLang="ko-KR" sz="1400" dirty="0" smtClean="0"/>
+                        <a:t>ON/OFF</a:t>
+                      </a:r>
+                    </a:p>
+                    <a:p>
+                      <a:pPr latinLnBrk="1"/>
+                      <a:r>
+                        <a:rPr lang="en-US" altLang="ko-KR" sz="1400" dirty="0" smtClean="0"/>
+                        <a:t>7. </a:t>
+                      </a:r>
+                      <a:r>
+                        <a:rPr lang="ko-KR" altLang="en-US" sz="1400" dirty="0" err="1" smtClean="0"/>
+                        <a:t>부저</a:t>
+                      </a:r>
+                      <a:r>
+                        <a:rPr lang="ko-KR" altLang="en-US" sz="1400" dirty="0" smtClean="0"/>
+                        <a:t> 자리 만들기</a:t>
+                      </a:r>
+                      <a:endParaRPr lang="ko-KR" altLang="en-US" sz="1400" dirty="0"/>
+                    </a:p>
+                  </a:txBody>
+                  <a:tcPr/>
+                </a:tc>
+                <a:tc>
+                  <a:txBody>
+                    <a:bodyPr/>
+                    <a:lstStyle/>
+                    <a:p>
+                      <a:pPr marL="342900" indent="-342900" latinLnBrk="1">
+                        <a:buAutoNum type="arabicPeriod"/>
+                      </a:pPr>
+                      <a:r>
+                        <a:rPr lang="ko-KR" altLang="en-US" dirty="0" smtClean="0"/>
+                        <a:t>차량용 </a:t>
+                      </a:r>
+                      <a:r>
+                        <a:rPr lang="ko-KR" altLang="en-US" dirty="0" err="1" smtClean="0"/>
+                        <a:t>대시보드</a:t>
+                      </a:r>
+                      <a:r>
+                        <a:rPr lang="ko-KR" altLang="en-US" dirty="0" smtClean="0"/>
+                        <a:t> 구현</a:t>
+                      </a:r>
+                      <a:r>
+                        <a:rPr lang="en-US" altLang="ko-KR" dirty="0" smtClean="0"/>
+                        <a:t/>
+                      </a:r>
+                      <a:br>
+                        <a:rPr lang="en-US" altLang="ko-KR" dirty="0" smtClean="0"/>
+                      </a:br>
+                      <a:r>
+                        <a:rPr lang="en-US" altLang="ko-KR" baseline="0" dirty="0" smtClean="0"/>
+                        <a:t>- enact </a:t>
+                      </a:r>
+                      <a:r>
+                        <a:rPr lang="ko-KR" altLang="en-US" baseline="0" dirty="0" smtClean="0"/>
+                        <a:t>테스트</a:t>
+                      </a:r>
+                      <a:r>
+                        <a:rPr lang="en-US" altLang="ko-KR" baseline="0" dirty="0" smtClean="0"/>
+                        <a:t/>
+                      </a:r>
+                      <a:br>
+                        <a:rPr lang="en-US" altLang="ko-KR" baseline="0" dirty="0" smtClean="0"/>
+                      </a:br>
                       <a:endParaRPr lang="en-US" altLang="ko-KR" dirty="0" smtClean="0"/>
                     </a:p>
                     <a:p>
-                      <a:pPr latinLnBrk="1"/>
+                      <a:pPr marL="342900" indent="-342900" latinLnBrk="1">
+                        <a:buAutoNum type="arabicPeriod"/>
+                      </a:pPr>
+                      <a:r>
+                        <a:rPr lang="ko-KR" altLang="en-US" dirty="0" err="1" smtClean="0"/>
+                        <a:t>아두이노</a:t>
+                      </a:r>
+                      <a:r>
+                        <a:rPr lang="ko-KR" altLang="en-US" dirty="0" smtClean="0"/>
+                        <a:t> </a:t>
+                      </a:r>
                       <a:r>
                         <a:rPr lang="en-US" altLang="ko-KR" dirty="0" smtClean="0"/>
-                        <a:t> - </a:t>
-                      </a:r>
-                      <a:r>
-                        <a:rPr lang="ko-KR" altLang="en-US" dirty="0" smtClean="0"/>
-                        <a:t>음성인식 </a:t>
-                      </a:r>
-                      <a:r>
-                        <a:rPr lang="ko-KR" altLang="en-US" dirty="0" err="1" smtClean="0"/>
-                        <a:t>스터디겸</a:t>
-                      </a:r>
-                      <a:r>
-                        <a:rPr lang="ko-KR" altLang="en-US" dirty="0" smtClean="0"/>
-                        <a:t> 개발</a:t>
-                      </a:r>
+                        <a:t>MQTT</a:t>
+                      </a:r>
+                      <a:br>
+                        <a:rPr lang="en-US" altLang="ko-KR" dirty="0" smtClean="0"/>
+                      </a:br>
+                      <a:r>
+                        <a:rPr lang="en-US" altLang="ko-KR" dirty="0" smtClean="0"/>
+                        <a:t>-</a:t>
+                      </a:r>
+                      <a:r>
+                        <a:rPr lang="en-US" altLang="ko-KR" baseline="0" dirty="0" smtClean="0"/>
+                        <a:t> </a:t>
+                      </a:r>
+                      <a:r>
+                        <a:rPr lang="en-US" altLang="ko-KR" baseline="0" dirty="0" err="1" smtClean="0"/>
+                        <a:t>uno</a:t>
+                      </a:r>
+                      <a:r>
+                        <a:rPr lang="ko-KR" altLang="en-US" baseline="0" dirty="0" smtClean="0"/>
+                        <a:t>로 테스트</a:t>
+                      </a:r>
+                      <a:r>
+                        <a:rPr lang="en-US" altLang="ko-KR" dirty="0" smtClean="0"/>
+                        <a:t/>
+                      </a:r>
+                      <a:br>
+                        <a:rPr lang="en-US" altLang="ko-KR" dirty="0" smtClean="0"/>
+                      </a:br>
                       <a:endParaRPr lang="en-US" altLang="ko-KR" dirty="0" smtClean="0"/>
                     </a:p>
                     <a:p>
-                      <a:pPr latinLnBrk="1"/>
+                      <a:pPr marL="342900" indent="-342900" latinLnBrk="1">
+                        <a:buAutoNum type="arabicPeriod"/>
+                      </a:pPr>
+                      <a:r>
+                        <a:rPr lang="en-US" altLang="ko-KR" dirty="0" err="1" smtClean="0"/>
+                        <a:t>TensorFlow</a:t>
+                      </a:r>
                       <a:r>
                         <a:rPr lang="en-US" altLang="ko-KR" baseline="0" dirty="0" smtClean="0"/>
-                        <a:t> - </a:t>
+                        <a:t> </a:t>
                       </a:r>
                       <a:r>
                         <a:rPr lang="ko-KR" altLang="en-US" baseline="0" dirty="0" smtClean="0"/>
-                        <a:t>얼굴인식 </a:t>
+                        <a:t>얼굴모델링</a:t>
+                      </a:r>
+                      <a:r>
+                        <a:rPr lang="en-US" altLang="ko-KR" baseline="0" dirty="0" smtClean="0"/>
+                        <a:t/>
+                      </a:r>
+                      <a:br>
+                        <a:rPr lang="en-US" altLang="ko-KR" baseline="0" dirty="0" smtClean="0"/>
+                      </a:br>
+                      <a:r>
+                        <a:rPr lang="en-US" altLang="ko-KR" baseline="0" dirty="0" smtClean="0"/>
+                        <a:t>- </a:t>
+                      </a:r>
+                      <a:r>
+                        <a:rPr lang="en-US" altLang="ko-KR" baseline="0" dirty="0" err="1" smtClean="0"/>
+                        <a:t>FaceNet</a:t>
+                      </a:r>
+                      <a:r>
+                        <a:rPr lang="en-US" altLang="ko-KR" baseline="0" dirty="0" smtClean="0"/>
+                        <a:t> </a:t>
                       </a:r>
                       <a:r>
                         <a:rPr lang="ko-KR" altLang="en-US" baseline="0" dirty="0" err="1" smtClean="0"/>
-                        <a:t>대충써올게</a:t>
+                        <a:t>스터디</a:t>
                       </a:r>
                       <a:endParaRPr lang="ko-KR" altLang="en-US" dirty="0"/>
                     </a:p>
@@ -5457,103 +6005,570 @@
                     <a:bodyPr/>
                     <a:lstStyle/>
                     <a:p>
-                      <a:pPr latinLnBrk="1"/>
-                      <a:r>
-                        <a:rPr lang="en-US" altLang="ko-KR" dirty="0" smtClean="0"/>
+                      <a:r>
+                        <a:rPr lang="en-US" altLang="ko-KR" sz="1800" b="0" i="0" kern="1200" dirty="0" smtClean="0">
+                          <a:solidFill>
+                            <a:schemeClr val="tx1"/>
+                          </a:solidFill>
+                          <a:effectLst/>
+                          <a:latin typeface="+mn-lt"/>
+                          <a:ea typeface="+mn-ea"/>
+                          <a:cs typeface="+mn-cs"/>
+                        </a:rPr>
+                        <a:t>1. </a:t>
+                      </a:r>
+                      <a:r>
+                        <a:rPr lang="ko-KR" altLang="en-US" sz="1800" b="0" i="0" kern="1200" dirty="0" err="1" smtClean="0">
+                          <a:solidFill>
+                            <a:schemeClr val="tx1"/>
+                          </a:solidFill>
+                          <a:effectLst/>
+                          <a:latin typeface="+mn-lt"/>
+                          <a:ea typeface="+mn-ea"/>
+                          <a:cs typeface="+mn-cs"/>
+                        </a:rPr>
+                        <a:t>웹캠</a:t>
+                      </a:r>
+                      <a:r>
+                        <a:rPr lang="ko-KR" altLang="en-US" sz="1800" b="0" i="0" kern="1200" dirty="0" smtClean="0">
+                          <a:solidFill>
+                            <a:schemeClr val="tx1"/>
+                          </a:solidFill>
+                          <a:effectLst/>
+                          <a:latin typeface="+mn-lt"/>
+                          <a:ea typeface="+mn-ea"/>
+                          <a:cs typeface="+mn-cs"/>
+                        </a:rPr>
+                        <a:t> </a:t>
+                      </a:r>
+                      <a:r>
+                        <a:rPr lang="ko-KR" altLang="en-US" sz="1800" b="0" i="0" kern="1200" dirty="0" err="1" smtClean="0">
+                          <a:solidFill>
+                            <a:schemeClr val="tx1"/>
+                          </a:solidFill>
+                          <a:effectLst/>
+                          <a:latin typeface="+mn-lt"/>
+                          <a:ea typeface="+mn-ea"/>
+                          <a:cs typeface="+mn-cs"/>
+                        </a:rPr>
+                        <a:t>스트리밍</a:t>
+                      </a:r>
+                      <a:r>
+                        <a:rPr lang="ko-KR" altLang="en-US" sz="1800" b="0" i="0" kern="1200" dirty="0" smtClean="0">
+                          <a:solidFill>
+                            <a:schemeClr val="tx1"/>
+                          </a:solidFill>
+                          <a:effectLst/>
+                          <a:latin typeface="+mn-lt"/>
+                          <a:ea typeface="+mn-ea"/>
+                          <a:cs typeface="+mn-cs"/>
+                        </a:rPr>
+                        <a:t> 구현</a:t>
+                      </a:r>
+                      <a:r>
+                        <a:rPr lang="en-US" altLang="ko-KR" sz="1800" b="0" i="0" kern="1200" dirty="0" smtClean="0">
+                          <a:solidFill>
+                            <a:schemeClr val="tx1"/>
+                          </a:solidFill>
+                          <a:effectLst/>
+                          <a:latin typeface="+mn-lt"/>
+                          <a:ea typeface="+mn-ea"/>
+                          <a:cs typeface="+mn-cs"/>
+                        </a:rPr>
+                        <a:t/>
+                      </a:r>
+                      <a:br>
+                        <a:rPr lang="en-US" altLang="ko-KR" sz="1800" b="0" i="0" kern="1200" dirty="0" smtClean="0">
+                          <a:solidFill>
+                            <a:schemeClr val="tx1"/>
+                          </a:solidFill>
+                          <a:effectLst/>
+                          <a:latin typeface="+mn-lt"/>
+                          <a:ea typeface="+mn-ea"/>
+                          <a:cs typeface="+mn-cs"/>
+                        </a:rPr>
+                      </a:br>
+                      <a:r>
+                        <a:rPr lang="en-US" altLang="ko-KR" sz="1400" b="0" i="0" kern="1200" dirty="0" smtClean="0">
+                          <a:solidFill>
+                            <a:schemeClr val="tx1"/>
+                          </a:solidFill>
+                          <a:effectLst/>
+                          <a:latin typeface="+mn-lt"/>
+                          <a:ea typeface="+mn-ea"/>
+                          <a:cs typeface="+mn-cs"/>
+                        </a:rPr>
                         <a:t> - </a:t>
                       </a:r>
                       <a:r>
-                        <a:rPr lang="ko-KR" altLang="en-US" dirty="0" err="1" smtClean="0"/>
-                        <a:t>대쉬보드</a:t>
-                      </a:r>
-                      <a:r>
-                        <a:rPr lang="ko-KR" altLang="en-US" dirty="0" smtClean="0"/>
-                        <a:t> </a:t>
-                      </a:r>
-                      <a:r>
-                        <a:rPr lang="en-US" altLang="ko-KR" dirty="0" smtClean="0"/>
-                        <a:t>HTML</a:t>
-                      </a:r>
-                      <a:r>
-                        <a:rPr lang="ko-KR" altLang="en-US" dirty="0" smtClean="0"/>
-                        <a:t>로 구현해보기</a:t>
-                      </a:r>
-                      <a:endParaRPr lang="en-US" altLang="ko-KR" dirty="0" smtClean="0"/>
+                        <a:rPr lang="ko-KR" altLang="en-US" sz="1400" b="0" i="0" kern="1200" dirty="0" err="1" smtClean="0">
+                          <a:solidFill>
+                            <a:schemeClr val="tx1"/>
+                          </a:solidFill>
+                          <a:effectLst/>
+                          <a:latin typeface="+mn-lt"/>
+                          <a:ea typeface="+mn-ea"/>
+                          <a:cs typeface="+mn-cs"/>
+                        </a:rPr>
+                        <a:t>라즈베리파이</a:t>
+                      </a:r>
+                      <a:r>
+                        <a:rPr lang="en-US" altLang="ko-KR" sz="1400" b="0" i="0" kern="1200" dirty="0" smtClean="0">
+                          <a:solidFill>
+                            <a:schemeClr val="tx1"/>
+                          </a:solidFill>
+                          <a:effectLst/>
+                          <a:latin typeface="+mn-lt"/>
+                          <a:ea typeface="+mn-ea"/>
+                          <a:cs typeface="+mn-cs"/>
+                        </a:rPr>
+                        <a:t>3 OS </a:t>
+                      </a:r>
+                      <a:r>
+                        <a:rPr lang="ko-KR" altLang="en-US" sz="1400" b="0" i="0" kern="1200" dirty="0" smtClean="0">
+                          <a:solidFill>
+                            <a:schemeClr val="tx1"/>
+                          </a:solidFill>
+                          <a:effectLst/>
+                          <a:latin typeface="+mn-lt"/>
+                          <a:ea typeface="+mn-ea"/>
+                          <a:cs typeface="+mn-cs"/>
+                        </a:rPr>
+                        <a:t>설치 및 기본설정</a:t>
+                      </a:r>
                     </a:p>
                     <a:p>
-                      <a:pPr latinLnBrk="1"/>
-                      <a:r>
-                        <a:rPr lang="en-US" altLang="ko-KR" dirty="0" smtClean="0"/>
-                        <a:t> - </a:t>
-                      </a:r>
-                      <a:r>
-                        <a:rPr lang="ko-KR" altLang="en-US" dirty="0" err="1" smtClean="0"/>
-                        <a:t>아두이노</a:t>
-                      </a:r>
-                      <a:r>
-                        <a:rPr lang="ko-KR" altLang="en-US" dirty="0" smtClean="0"/>
+                      <a:r>
+                        <a:rPr lang="ko-KR" altLang="en-US" sz="1400" b="0" i="0" kern="1200" dirty="0" smtClean="0">
+                          <a:solidFill>
+                            <a:schemeClr val="tx1"/>
+                          </a:solidFill>
+                          <a:effectLst/>
+                          <a:latin typeface="+mn-lt"/>
+                          <a:ea typeface="+mn-ea"/>
+                          <a:cs typeface="+mn-cs"/>
+                        </a:rPr>
                         <a:t> </a:t>
                       </a:r>
                       <a:r>
-                        <a:rPr lang="en-US" altLang="ko-KR" dirty="0" smtClean="0"/>
-                        <a:t>MQTT </a:t>
-                      </a:r>
-                      <a:r>
-                        <a:rPr lang="ko-KR" altLang="en-US" dirty="0" smtClean="0"/>
-                        <a:t>확인</a:t>
-                      </a:r>
-                      <a:endParaRPr lang="ko-KR" altLang="en-US" dirty="0"/>
-                    </a:p>
-                  </a:txBody>
-                  <a:tcPr/>
-                </a:tc>
-                <a:tc>
-                  <a:txBody>
-                    <a:bodyPr/>
-                    <a:lstStyle/>
-                    <a:p>
-                      <a:pPr latinLnBrk="1"/>
-                      <a:r>
-                        <a:rPr lang="en-US" altLang="ko-KR" dirty="0" smtClean="0"/>
-                        <a:t> - </a:t>
-                      </a:r>
-                      <a:r>
-                        <a:rPr lang="ko-KR" altLang="en-US" dirty="0" err="1" smtClean="0"/>
-                        <a:t>파이어베이스</a:t>
-                      </a:r>
-                      <a:r>
-                        <a:rPr lang="ko-KR" altLang="en-US" dirty="0" smtClean="0"/>
-                        <a:t> </a:t>
-                      </a:r>
-                      <a:r>
-                        <a:rPr lang="en-US" altLang="ko-KR" dirty="0" smtClean="0"/>
-                        <a:t>‘</a:t>
-                      </a:r>
-                      <a:r>
-                        <a:rPr lang="ko-KR" altLang="en-US" dirty="0" smtClean="0"/>
-                        <a:t>대충</a:t>
-                      </a:r>
-                      <a:r>
-                        <a:rPr lang="en-US" altLang="ko-KR" dirty="0" smtClean="0"/>
-                        <a:t>’ </a:t>
-                      </a:r>
-                      <a:r>
-                        <a:rPr lang="ko-KR" altLang="en-US" dirty="0" err="1" smtClean="0"/>
-                        <a:t>픽스</a:t>
-                      </a:r>
-                      <a:endParaRPr lang="en-US" altLang="ko-KR" dirty="0" smtClean="0"/>
+                        <a:rPr lang="en-US" altLang="ko-KR" sz="1400" b="0" i="0" kern="1200" dirty="0" smtClean="0">
+                          <a:solidFill>
+                            <a:schemeClr val="tx1"/>
+                          </a:solidFill>
+                          <a:effectLst/>
+                          <a:latin typeface="+mn-lt"/>
+                          <a:ea typeface="+mn-ea"/>
+                          <a:cs typeface="+mn-cs"/>
+                        </a:rPr>
+                        <a:t>- </a:t>
+                      </a:r>
+                      <a:r>
+                        <a:rPr lang="ko-KR" altLang="en-US" sz="1400" b="0" i="0" kern="1200" dirty="0" err="1" smtClean="0">
+                          <a:solidFill>
+                            <a:schemeClr val="tx1"/>
+                          </a:solidFill>
+                          <a:effectLst/>
+                          <a:latin typeface="+mn-lt"/>
+                          <a:ea typeface="+mn-ea"/>
+                          <a:cs typeface="+mn-cs"/>
+                        </a:rPr>
+                        <a:t>웹캠</a:t>
+                      </a:r>
+                      <a:r>
+                        <a:rPr lang="ko-KR" altLang="en-US" sz="1400" b="0" i="0" kern="1200" dirty="0" smtClean="0">
+                          <a:solidFill>
+                            <a:schemeClr val="tx1"/>
+                          </a:solidFill>
+                          <a:effectLst/>
+                          <a:latin typeface="+mn-lt"/>
+                          <a:ea typeface="+mn-ea"/>
+                          <a:cs typeface="+mn-cs"/>
+                        </a:rPr>
+                        <a:t> 연결 및 테스트</a:t>
+                      </a:r>
                     </a:p>
                     <a:p>
-                      <a:pPr latinLnBrk="1"/>
-                      <a:r>
-                        <a:rPr lang="en-US" altLang="ko-KR" dirty="0" smtClean="0"/>
-                        <a:t> - MQTT </a:t>
-                      </a:r>
-                      <a:r>
-                        <a:rPr lang="ko-KR" altLang="en-US" dirty="0" smtClean="0"/>
-                        <a:t>브로커 구축</a:t>
-                      </a:r>
-                      <a:endParaRPr lang="ko-KR" altLang="en-US" dirty="0"/>
+                      <a:r>
+                        <a:rPr lang="en-US" altLang="ko-KR" sz="1400" b="0" i="0" kern="1200" dirty="0" smtClean="0">
+                          <a:solidFill>
+                            <a:schemeClr val="tx1"/>
+                          </a:solidFill>
+                          <a:effectLst/>
+                          <a:latin typeface="+mn-lt"/>
+                          <a:ea typeface="+mn-ea"/>
+                          <a:cs typeface="+mn-cs"/>
+                        </a:rPr>
+                        <a:t> - UV4L </a:t>
+                      </a:r>
+                      <a:r>
+                        <a:rPr lang="ko-KR" altLang="en-US" sz="1400" b="0" i="0" kern="1200" dirty="0" smtClean="0">
+                          <a:solidFill>
+                            <a:schemeClr val="tx1"/>
+                          </a:solidFill>
+                          <a:effectLst/>
+                          <a:latin typeface="+mn-lt"/>
+                          <a:ea typeface="+mn-ea"/>
+                          <a:cs typeface="+mn-cs"/>
+                        </a:rPr>
+                        <a:t>설치 후</a:t>
+                      </a:r>
+                      <a:r>
+                        <a:rPr lang="en-US" altLang="ko-KR" sz="1400" b="0" i="0" kern="1200" dirty="0" smtClean="0">
+                          <a:solidFill>
+                            <a:schemeClr val="tx1"/>
+                          </a:solidFill>
+                          <a:effectLst/>
+                          <a:latin typeface="+mn-lt"/>
+                          <a:ea typeface="+mn-ea"/>
+                          <a:cs typeface="+mn-cs"/>
+                        </a:rPr>
+                        <a:t>, </a:t>
+                      </a:r>
+                      <a:r>
+                        <a:rPr lang="ko-KR" altLang="en-US" sz="1400" b="0" i="0" kern="1200" dirty="0" smtClean="0">
+                          <a:solidFill>
+                            <a:schemeClr val="tx1"/>
+                          </a:solidFill>
+                          <a:effectLst/>
+                          <a:latin typeface="+mn-lt"/>
+                          <a:ea typeface="+mn-ea"/>
+                          <a:cs typeface="+mn-cs"/>
+                        </a:rPr>
+                        <a:t>로컬 </a:t>
+                      </a:r>
+                      <a:r>
+                        <a:rPr lang="ko-KR" altLang="en-US" sz="1400" b="0" i="0" kern="1200" dirty="0" err="1" smtClean="0">
+                          <a:solidFill>
+                            <a:schemeClr val="tx1"/>
+                          </a:solidFill>
+                          <a:effectLst/>
+                          <a:latin typeface="+mn-lt"/>
+                          <a:ea typeface="+mn-ea"/>
+                          <a:cs typeface="+mn-cs"/>
+                        </a:rPr>
+                        <a:t>스트리밍</a:t>
+                      </a:r>
+                      <a:r>
+                        <a:rPr lang="ko-KR" altLang="en-US" sz="1400" b="0" i="0" kern="1200" dirty="0" smtClean="0">
+                          <a:solidFill>
+                            <a:schemeClr val="tx1"/>
+                          </a:solidFill>
+                          <a:effectLst/>
+                          <a:latin typeface="+mn-lt"/>
+                          <a:ea typeface="+mn-ea"/>
+                          <a:cs typeface="+mn-cs"/>
+                        </a:rPr>
+                        <a:t> 테스트</a:t>
+                      </a:r>
+                    </a:p>
+                    <a:p>
+                      <a:r>
+                        <a:rPr lang="en-US" altLang="ko-KR" sz="1400" b="0" i="0" kern="1200" dirty="0" smtClean="0">
+                          <a:solidFill>
+                            <a:schemeClr val="tx1"/>
+                          </a:solidFill>
+                          <a:effectLst/>
+                          <a:latin typeface="+mn-lt"/>
+                          <a:ea typeface="+mn-ea"/>
+                          <a:cs typeface="+mn-cs"/>
+                        </a:rPr>
+                        <a:t> - </a:t>
+                      </a:r>
+                      <a:r>
+                        <a:rPr lang="ko-KR" altLang="en-US" sz="1400" b="0" i="0" kern="1200" dirty="0" err="1" smtClean="0">
+                          <a:solidFill>
+                            <a:schemeClr val="tx1"/>
+                          </a:solidFill>
+                          <a:effectLst/>
+                          <a:latin typeface="+mn-lt"/>
+                          <a:ea typeface="+mn-ea"/>
+                          <a:cs typeface="+mn-cs"/>
+                        </a:rPr>
+                        <a:t>서버측에서</a:t>
+                      </a:r>
+                      <a:r>
+                        <a:rPr lang="ko-KR" altLang="en-US" sz="1400" b="0" i="0" kern="1200" dirty="0" smtClean="0">
+                          <a:solidFill>
+                            <a:schemeClr val="tx1"/>
+                          </a:solidFill>
+                          <a:effectLst/>
+                          <a:latin typeface="+mn-lt"/>
+                          <a:ea typeface="+mn-ea"/>
+                          <a:cs typeface="+mn-cs"/>
+                        </a:rPr>
+                        <a:t> 정상적으로 </a:t>
+                      </a:r>
+                      <a:r>
+                        <a:rPr lang="ko-KR" altLang="en-US" sz="1400" b="0" i="0" kern="1200" dirty="0" err="1" smtClean="0">
+                          <a:solidFill>
+                            <a:schemeClr val="tx1"/>
+                          </a:solidFill>
+                          <a:effectLst/>
+                          <a:latin typeface="+mn-lt"/>
+                          <a:ea typeface="+mn-ea"/>
+                          <a:cs typeface="+mn-cs"/>
+                        </a:rPr>
+                        <a:t>스트리밍</a:t>
+                      </a:r>
+                      <a:r>
+                        <a:rPr lang="ko-KR" altLang="en-US" sz="1400" b="0" i="0" kern="1200" dirty="0" smtClean="0">
+                          <a:solidFill>
+                            <a:schemeClr val="tx1"/>
+                          </a:solidFill>
+                          <a:effectLst/>
+                          <a:latin typeface="+mn-lt"/>
+                          <a:ea typeface="+mn-ea"/>
+                          <a:cs typeface="+mn-cs"/>
+                        </a:rPr>
+                        <a:t> 되는지 확인</a:t>
+                      </a:r>
+                    </a:p>
+                    <a:p>
+                      <a:r>
+                        <a:rPr lang="ko-KR" altLang="en-US" sz="1400" b="0" i="0" kern="1200" dirty="0" smtClean="0">
+                          <a:solidFill>
+                            <a:schemeClr val="tx1"/>
+                          </a:solidFill>
+                          <a:effectLst/>
+                          <a:latin typeface="+mn-lt"/>
+                          <a:ea typeface="+mn-ea"/>
+                          <a:cs typeface="+mn-cs"/>
+                        </a:rPr>
+                        <a:t> </a:t>
+                      </a:r>
+                      <a:r>
+                        <a:rPr lang="en-US" altLang="ko-KR" sz="1400" b="0" i="0" kern="1200" dirty="0" smtClean="0">
+                          <a:solidFill>
+                            <a:schemeClr val="tx1"/>
+                          </a:solidFill>
+                          <a:effectLst/>
+                          <a:latin typeface="+mn-lt"/>
+                          <a:ea typeface="+mn-ea"/>
+                          <a:cs typeface="+mn-cs"/>
+                        </a:rPr>
+                        <a:t>- </a:t>
+                      </a:r>
+                      <a:r>
+                        <a:rPr lang="ko-KR" altLang="en-US" sz="1400" b="0" i="0" kern="1200" dirty="0" err="1" smtClean="0">
+                          <a:solidFill>
+                            <a:schemeClr val="tx1"/>
+                          </a:solidFill>
+                          <a:effectLst/>
+                          <a:latin typeface="+mn-lt"/>
+                          <a:ea typeface="+mn-ea"/>
+                          <a:cs typeface="+mn-cs"/>
+                        </a:rPr>
+                        <a:t>조도센서값이</a:t>
+                      </a:r>
+                      <a:r>
+                        <a:rPr lang="ko-KR" altLang="en-US" sz="1400" b="0" i="0" kern="1200" dirty="0" smtClean="0">
+                          <a:solidFill>
+                            <a:schemeClr val="tx1"/>
+                          </a:solidFill>
+                          <a:effectLst/>
+                          <a:latin typeface="+mn-lt"/>
+                          <a:ea typeface="+mn-ea"/>
+                          <a:cs typeface="+mn-cs"/>
+                        </a:rPr>
+                        <a:t> </a:t>
+                      </a:r>
+                      <a:r>
+                        <a:rPr lang="ko-KR" altLang="en-US" sz="1400" b="0" i="0" kern="1200" dirty="0" err="1" smtClean="0">
+                          <a:solidFill>
+                            <a:schemeClr val="tx1"/>
+                          </a:solidFill>
+                          <a:effectLst/>
+                          <a:latin typeface="+mn-lt"/>
+                          <a:ea typeface="+mn-ea"/>
+                          <a:cs typeface="+mn-cs"/>
+                        </a:rPr>
+                        <a:t>낮을때</a:t>
+                      </a:r>
+                      <a:r>
+                        <a:rPr lang="en-US" altLang="ko-KR" sz="1400" b="0" i="0" kern="1200" dirty="0" smtClean="0">
+                          <a:solidFill>
+                            <a:schemeClr val="tx1"/>
+                          </a:solidFill>
+                          <a:effectLst/>
+                          <a:latin typeface="+mn-lt"/>
+                          <a:ea typeface="+mn-ea"/>
+                          <a:cs typeface="+mn-cs"/>
+                        </a:rPr>
+                        <a:t>, LED </a:t>
+                      </a:r>
+                      <a:r>
+                        <a:rPr lang="ko-KR" altLang="en-US" sz="1400" b="0" i="0" kern="1200" dirty="0" smtClean="0">
+                          <a:solidFill>
+                            <a:schemeClr val="tx1"/>
+                          </a:solidFill>
+                          <a:effectLst/>
+                          <a:latin typeface="+mn-lt"/>
+                          <a:ea typeface="+mn-ea"/>
+                          <a:cs typeface="+mn-cs"/>
+                        </a:rPr>
+                        <a:t>점등</a:t>
+                      </a:r>
+                      <a:r>
+                        <a:rPr lang="en-US" altLang="ko-KR" sz="1400" b="0" i="0" kern="1200" dirty="0" smtClean="0">
+                          <a:solidFill>
+                            <a:schemeClr val="tx1"/>
+                          </a:solidFill>
+                          <a:effectLst/>
+                          <a:latin typeface="+mn-lt"/>
+                          <a:ea typeface="+mn-ea"/>
+                          <a:cs typeface="+mn-cs"/>
+                        </a:rPr>
+                        <a:t/>
+                      </a:r>
+                      <a:br>
+                        <a:rPr lang="en-US" altLang="ko-KR" sz="1400" b="0" i="0" kern="1200" dirty="0" smtClean="0">
+                          <a:solidFill>
+                            <a:schemeClr val="tx1"/>
+                          </a:solidFill>
+                          <a:effectLst/>
+                          <a:latin typeface="+mn-lt"/>
+                          <a:ea typeface="+mn-ea"/>
+                          <a:cs typeface="+mn-cs"/>
+                        </a:rPr>
+                      </a:br>
+                      <a:r>
+                        <a:rPr lang="en-US" altLang="ko-KR" sz="1800" b="0" i="0" kern="1200" dirty="0" smtClean="0">
+                          <a:solidFill>
+                            <a:schemeClr val="tx1"/>
+                          </a:solidFill>
+                          <a:effectLst/>
+                          <a:latin typeface="+mn-lt"/>
+                          <a:ea typeface="+mn-ea"/>
+                          <a:cs typeface="+mn-cs"/>
+                        </a:rPr>
+                        <a:t/>
+                      </a:r>
+                      <a:br>
+                        <a:rPr lang="en-US" altLang="ko-KR" sz="1800" b="0" i="0" kern="1200" dirty="0" smtClean="0">
+                          <a:solidFill>
+                            <a:schemeClr val="tx1"/>
+                          </a:solidFill>
+                          <a:effectLst/>
+                          <a:latin typeface="+mn-lt"/>
+                          <a:ea typeface="+mn-ea"/>
+                          <a:cs typeface="+mn-cs"/>
+                        </a:rPr>
+                      </a:br>
+                      <a:r>
+                        <a:rPr lang="en-US" altLang="ko-KR" sz="1800" b="0" i="0" kern="1200" dirty="0" smtClean="0">
+                          <a:solidFill>
+                            <a:schemeClr val="tx1"/>
+                          </a:solidFill>
+                          <a:effectLst/>
+                          <a:latin typeface="+mn-lt"/>
+                          <a:ea typeface="+mn-ea"/>
+                          <a:cs typeface="+mn-cs"/>
+                        </a:rPr>
+                        <a:t>2. </a:t>
+                      </a:r>
+                      <a:r>
+                        <a:rPr lang="ko-KR" altLang="en-US" sz="1800" b="0" i="0" kern="1200" dirty="0" err="1" smtClean="0">
+                          <a:solidFill>
+                            <a:schemeClr val="tx1"/>
+                          </a:solidFill>
+                          <a:effectLst/>
+                          <a:latin typeface="+mn-lt"/>
+                          <a:ea typeface="+mn-ea"/>
+                          <a:cs typeface="+mn-cs"/>
+                        </a:rPr>
+                        <a:t>파이어베이스</a:t>
+                      </a:r>
+                      <a:r>
+                        <a:rPr lang="ko-KR" altLang="en-US" sz="1800" b="0" i="0" kern="1200" dirty="0" smtClean="0">
+                          <a:solidFill>
+                            <a:schemeClr val="tx1"/>
+                          </a:solidFill>
+                          <a:effectLst/>
+                          <a:latin typeface="+mn-lt"/>
+                          <a:ea typeface="+mn-ea"/>
+                          <a:cs typeface="+mn-cs"/>
+                        </a:rPr>
+                        <a:t> 확정</a:t>
+                      </a:r>
+                      <a:r>
+                        <a:rPr lang="en-US" altLang="ko-KR" sz="1800" b="0" i="0" kern="1200" dirty="0" smtClean="0">
+                          <a:solidFill>
+                            <a:schemeClr val="tx1"/>
+                          </a:solidFill>
+                          <a:effectLst/>
+                          <a:latin typeface="+mn-lt"/>
+                          <a:ea typeface="+mn-ea"/>
+                          <a:cs typeface="+mn-cs"/>
+                        </a:rPr>
+                        <a:t/>
+                      </a:r>
+                      <a:br>
+                        <a:rPr lang="en-US" altLang="ko-KR" sz="1800" b="0" i="0" kern="1200" dirty="0" smtClean="0">
+                          <a:solidFill>
+                            <a:schemeClr val="tx1"/>
+                          </a:solidFill>
+                          <a:effectLst/>
+                          <a:latin typeface="+mn-lt"/>
+                          <a:ea typeface="+mn-ea"/>
+                          <a:cs typeface="+mn-cs"/>
+                        </a:rPr>
+                      </a:br>
+                      <a:endParaRPr lang="en-US" altLang="ko-KR" sz="1800" b="0" i="0" kern="1200" dirty="0" smtClean="0">
+                        <a:solidFill>
+                          <a:schemeClr val="tx1"/>
+                        </a:solidFill>
+                        <a:effectLst/>
+                        <a:latin typeface="+mn-lt"/>
+                        <a:ea typeface="+mn-ea"/>
+                        <a:cs typeface="+mn-cs"/>
+                      </a:endParaRPr>
+                    </a:p>
+                    <a:p>
+                      <a:r>
+                        <a:rPr lang="en-US" altLang="ko-KR" sz="1800" b="0" i="0" kern="1200" dirty="0" smtClean="0">
+                          <a:solidFill>
+                            <a:schemeClr val="tx1"/>
+                          </a:solidFill>
+                          <a:effectLst/>
+                          <a:latin typeface="+mn-lt"/>
+                          <a:ea typeface="+mn-ea"/>
+                          <a:cs typeface="+mn-cs"/>
+                        </a:rPr>
+                        <a:t>3.</a:t>
+                      </a:r>
+                      <a:r>
+                        <a:rPr lang="en-US" altLang="ko-KR" sz="1800" b="0" i="0" kern="1200" baseline="0" dirty="0" smtClean="0">
+                          <a:solidFill>
+                            <a:schemeClr val="tx1"/>
+                          </a:solidFill>
+                          <a:effectLst/>
+                          <a:latin typeface="+mn-lt"/>
+                          <a:ea typeface="+mn-ea"/>
+                          <a:cs typeface="+mn-cs"/>
+                        </a:rPr>
+                        <a:t> MQTT </a:t>
+                      </a:r>
+                      <a:r>
+                        <a:rPr lang="ko-KR" altLang="en-US" sz="1800" b="0" i="0" kern="1200" baseline="0" dirty="0" smtClean="0">
+                          <a:solidFill>
+                            <a:schemeClr val="tx1"/>
+                          </a:solidFill>
+                          <a:effectLst/>
+                          <a:latin typeface="+mn-lt"/>
+                          <a:ea typeface="+mn-ea"/>
+                          <a:cs typeface="+mn-cs"/>
+                        </a:rPr>
+                        <a:t>프로토콜 확정</a:t>
+                      </a:r>
+                      <a:endParaRPr lang="en-US" altLang="ko-KR" sz="1800" b="0" i="0" kern="1200" dirty="0" smtClean="0">
+                        <a:solidFill>
+                          <a:schemeClr val="tx1"/>
+                        </a:solidFill>
+                        <a:effectLst/>
+                        <a:latin typeface="+mn-lt"/>
+                        <a:ea typeface="+mn-ea"/>
+                        <a:cs typeface="+mn-cs"/>
+                      </a:endParaRPr>
                     </a:p>
                   </a:txBody>
                   <a:tcPr/>
@@ -8934,7 +9949,7 @@
   <a:extraClrSchemeLst/>
   <a:extLst>
     <a:ext uri="{05A4C25C-085E-4340-85A3-A5531E510DB2}">
-      <thm15:themeFamily xmlns="" xmlns:thm15="http://schemas.microsoft.com/office/thememl/2012/main" name="Office Theme" id="{62F939B6-93AF-4DB8-9C6B-D6C7DFDC589F}" vid="{4A3C46E8-61CC-4603-A589-7422A47A8E4A}"/>
+      <thm15:themeFamily xmlns:thm15="http://schemas.microsoft.com/office/thememl/2012/main" xmlns="" name="Office Theme" id="{62F939B6-93AF-4DB8-9C6B-D6C7DFDC589F}" vid="{4A3C46E8-61CC-4603-A589-7422A47A8E4A}"/>
     </a:ext>
   </a:extLst>
 </a:theme>

--- a/개발현황/webOS공모전 개발현황 최현식 20210726.pptx
+++ b/개발현황/webOS공모전 개발현황 최현식 20210726.pptx
@@ -164,7 +164,7 @@
       </p14:sectionLst>
     </p:ext>
     <p:ext uri="{EFAFB233-063F-42B5-8137-9DF3F51BA10A}">
-      <p15:sldGuideLst xmlns:p15="http://schemas.microsoft.com/office/powerpoint/2012/main" xmlns=""/>
+      <p15:sldGuideLst xmlns="" xmlns:p15="http://schemas.microsoft.com/office/powerpoint/2012/main"/>
     </p:ext>
   </p:extLst>
 </p:presentation>
@@ -301,7 +301,7 @@
           <a:p>
             <a:fld id="{DDEC9453-0358-4B2E-A5E7-7F5A98A5D4D3}" type="datetimeFigureOut">
               <a:rPr lang="ko-KR" altLang="en-US" smtClean="0"/>
-              <a:t>2021-07-26</a:t>
+              <a:t>2021-08-02</a:t>
             </a:fld>
             <a:endParaRPr lang="ko-KR" altLang="en-US"/>
           </a:p>
@@ -471,7 +471,7 @@
           <a:p>
             <a:fld id="{DDEC9453-0358-4B2E-A5E7-7F5A98A5D4D3}" type="datetimeFigureOut">
               <a:rPr lang="ko-KR" altLang="en-US" smtClean="0"/>
-              <a:t>2021-07-26</a:t>
+              <a:t>2021-08-02</a:t>
             </a:fld>
             <a:endParaRPr lang="ko-KR" altLang="en-US"/>
           </a:p>
@@ -651,7 +651,7 @@
           <a:p>
             <a:fld id="{DDEC9453-0358-4B2E-A5E7-7F5A98A5D4D3}" type="datetimeFigureOut">
               <a:rPr lang="ko-KR" altLang="en-US" smtClean="0"/>
-              <a:t>2021-07-26</a:t>
+              <a:t>2021-08-02</a:t>
             </a:fld>
             <a:endParaRPr lang="ko-KR" altLang="en-US"/>
           </a:p>
@@ -821,7 +821,7 @@
           <a:p>
             <a:fld id="{DDEC9453-0358-4B2E-A5E7-7F5A98A5D4D3}" type="datetimeFigureOut">
               <a:rPr lang="ko-KR" altLang="en-US" smtClean="0"/>
-              <a:t>2021-07-26</a:t>
+              <a:t>2021-08-02</a:t>
             </a:fld>
             <a:endParaRPr lang="ko-KR" altLang="en-US"/>
           </a:p>
@@ -1067,7 +1067,7 @@
           <a:p>
             <a:fld id="{DDEC9453-0358-4B2E-A5E7-7F5A98A5D4D3}" type="datetimeFigureOut">
               <a:rPr lang="ko-KR" altLang="en-US" smtClean="0"/>
-              <a:t>2021-07-26</a:t>
+              <a:t>2021-08-02</a:t>
             </a:fld>
             <a:endParaRPr lang="ko-KR" altLang="en-US"/>
           </a:p>
@@ -1299,7 +1299,7 @@
           <a:p>
             <a:fld id="{DDEC9453-0358-4B2E-A5E7-7F5A98A5D4D3}" type="datetimeFigureOut">
               <a:rPr lang="ko-KR" altLang="en-US" smtClean="0"/>
-              <a:t>2021-07-26</a:t>
+              <a:t>2021-08-02</a:t>
             </a:fld>
             <a:endParaRPr lang="ko-KR" altLang="en-US"/>
           </a:p>
@@ -1666,7 +1666,7 @@
           <a:p>
             <a:fld id="{DDEC9453-0358-4B2E-A5E7-7F5A98A5D4D3}" type="datetimeFigureOut">
               <a:rPr lang="ko-KR" altLang="en-US" smtClean="0"/>
-              <a:t>2021-07-26</a:t>
+              <a:t>2021-08-02</a:t>
             </a:fld>
             <a:endParaRPr lang="ko-KR" altLang="en-US"/>
           </a:p>
@@ -1784,7 +1784,7 @@
           <a:p>
             <a:fld id="{DDEC9453-0358-4B2E-A5E7-7F5A98A5D4D3}" type="datetimeFigureOut">
               <a:rPr lang="ko-KR" altLang="en-US" smtClean="0"/>
-              <a:t>2021-07-26</a:t>
+              <a:t>2021-08-02</a:t>
             </a:fld>
             <a:endParaRPr lang="ko-KR" altLang="en-US"/>
           </a:p>
@@ -1879,7 +1879,7 @@
           <a:p>
             <a:fld id="{DDEC9453-0358-4B2E-A5E7-7F5A98A5D4D3}" type="datetimeFigureOut">
               <a:rPr lang="ko-KR" altLang="en-US" smtClean="0"/>
-              <a:t>2021-07-26</a:t>
+              <a:t>2021-08-02</a:t>
             </a:fld>
             <a:endParaRPr lang="ko-KR" altLang="en-US"/>
           </a:p>
@@ -2156,7 +2156,7 @@
           <a:p>
             <a:fld id="{DDEC9453-0358-4B2E-A5E7-7F5A98A5D4D3}" type="datetimeFigureOut">
               <a:rPr lang="ko-KR" altLang="en-US" smtClean="0"/>
-              <a:t>2021-07-26</a:t>
+              <a:t>2021-08-02</a:t>
             </a:fld>
             <a:endParaRPr lang="ko-KR" altLang="en-US"/>
           </a:p>
@@ -2409,7 +2409,7 @@
           <a:p>
             <a:fld id="{DDEC9453-0358-4B2E-A5E7-7F5A98A5D4D3}" type="datetimeFigureOut">
               <a:rPr lang="ko-KR" altLang="en-US" smtClean="0"/>
-              <a:t>2021-07-26</a:t>
+              <a:t>2021-08-02</a:t>
             </a:fld>
             <a:endParaRPr lang="ko-KR" altLang="en-US"/>
           </a:p>
@@ -2622,7 +2622,7 @@
           <a:p>
             <a:fld id="{DDEC9453-0358-4B2E-A5E7-7F5A98A5D4D3}" type="datetimeFigureOut">
               <a:rPr lang="ko-KR" altLang="en-US" smtClean="0"/>
-              <a:t>2021-07-26</a:t>
+              <a:t>2021-08-02</a:t>
             </a:fld>
             <a:endParaRPr lang="ko-KR" altLang="en-US"/>
           </a:p>
@@ -4976,7 +4976,7 @@
         </p:spPr>
         <p:txBody>
           <a:bodyPr>
-            <a:normAutofit fontScale="85000" lnSpcReduction="20000"/>
+            <a:normAutofit fontScale="77500" lnSpcReduction="20000"/>
           </a:bodyPr>
           <a:lstStyle/>
           <a:p>
@@ -5111,32 +5111,44 @@
           </a:p>
           <a:p>
             <a:r>
-              <a:rPr lang="ko-KR" altLang="en-US" dirty="0" err="1" smtClean="0"/>
+              <a:rPr lang="ko-KR" altLang="en-US" strike="sngStrike" dirty="0" err="1" smtClean="0"/>
               <a:t>웹캠으로</a:t>
             </a:r>
             <a:r>
-              <a:rPr lang="ko-KR" altLang="en-US" dirty="0" smtClean="0"/>
+              <a:rPr lang="ko-KR" altLang="en-US" strike="sngStrike" dirty="0" smtClean="0"/>
               <a:t> </a:t>
             </a:r>
             <a:r>
-              <a:rPr lang="ko-KR" altLang="en-US" dirty="0" err="1" smtClean="0"/>
+              <a:rPr lang="ko-KR" altLang="en-US" strike="sngStrike" dirty="0" err="1" smtClean="0"/>
               <a:t>스트리밍된</a:t>
             </a:r>
             <a:r>
-              <a:rPr lang="ko-KR" altLang="en-US" dirty="0" smtClean="0"/>
+              <a:rPr lang="ko-KR" altLang="en-US" strike="sngStrike" dirty="0" smtClean="0"/>
               <a:t> 영상을 타 </a:t>
             </a:r>
             <a:r>
-              <a:rPr lang="en-US" altLang="ko-KR" dirty="0" smtClean="0"/>
+              <a:rPr lang="en-US" altLang="ko-KR" strike="sngStrike" dirty="0" smtClean="0"/>
               <a:t>OS</a:t>
             </a:r>
             <a:r>
-              <a:rPr lang="ko-KR" altLang="en-US" dirty="0" smtClean="0"/>
+              <a:rPr lang="ko-KR" altLang="en-US" strike="sngStrike" dirty="0" smtClean="0"/>
               <a:t>에서 받아오는 규격</a:t>
             </a:r>
             <a:r>
-              <a:rPr lang="en-US" altLang="ko-KR" dirty="0" smtClean="0"/>
-              <a:t>. (V4L2)</a:t>
+              <a:rPr lang="en-US" altLang="ko-KR" strike="sngStrike" dirty="0" smtClean="0"/>
+              <a:t>. (V4L2) </a:t>
+            </a:r>
+            <a:r>
+              <a:rPr lang="en-US" altLang="ko-KR" strike="sngStrike" dirty="0" err="1" smtClean="0"/>
+              <a:t>webOS</a:t>
+            </a:r>
+            <a:r>
+              <a:rPr lang="ko-KR" altLang="en-US" strike="sngStrike" dirty="0" err="1" smtClean="0"/>
+              <a:t>안씀</a:t>
+            </a:r>
+            <a:r>
+              <a:rPr lang="en-US" altLang="ko-KR" strike="sngStrike" dirty="0" smtClean="0"/>
+              <a:t>.</a:t>
             </a:r>
           </a:p>
           <a:p>
@@ -5144,57 +5156,66 @@
           </a:p>
           <a:p>
             <a:r>
-              <a:rPr lang="ko-KR" altLang="en-US" dirty="0" err="1" smtClean="0"/>
+              <a:rPr lang="ko-KR" altLang="en-US" strike="sngStrike" dirty="0" err="1" smtClean="0"/>
               <a:t>라즈베리파이</a:t>
             </a:r>
             <a:r>
-              <a:rPr lang="en-US" altLang="ko-KR" dirty="0" smtClean="0"/>
+              <a:rPr lang="en-US" altLang="ko-KR" strike="sngStrike" dirty="0" smtClean="0"/>
               <a:t>3B+ </a:t>
             </a:r>
             <a:r>
-              <a:rPr lang="en-US" altLang="ko-KR" dirty="0" err="1" smtClean="0"/>
+              <a:rPr lang="en-US" altLang="ko-KR" strike="sngStrike" dirty="0" err="1" smtClean="0"/>
               <a:t>webOS</a:t>
             </a:r>
             <a:r>
-              <a:rPr lang="en-US" altLang="ko-KR" dirty="0" smtClean="0"/>
+              <a:rPr lang="en-US" altLang="ko-KR" strike="sngStrike" dirty="0" smtClean="0"/>
               <a:t> </a:t>
             </a:r>
             <a:r>
-              <a:rPr lang="ko-KR" altLang="en-US" dirty="0" smtClean="0"/>
+              <a:rPr lang="ko-KR" altLang="en-US" strike="sngStrike" dirty="0" smtClean="0"/>
               <a:t>공식적으로 </a:t>
             </a:r>
             <a:r>
-              <a:rPr lang="ko-KR" altLang="en-US" dirty="0" err="1" smtClean="0"/>
+              <a:rPr lang="ko-KR" altLang="en-US" strike="sngStrike" dirty="0" err="1" smtClean="0"/>
               <a:t>지원안하는데</a:t>
             </a:r>
             <a:r>
-              <a:rPr lang="ko-KR" altLang="en-US" dirty="0" smtClean="0"/>
+              <a:rPr lang="ko-KR" altLang="en-US" strike="sngStrike" dirty="0" smtClean="0"/>
               <a:t> 다른</a:t>
             </a:r>
             <a:r>
-              <a:rPr lang="en-US" altLang="ko-KR" dirty="0" smtClean="0"/>
+              <a:rPr lang="en-US" altLang="ko-KR" strike="sngStrike" dirty="0" smtClean="0"/>
               <a:t>OS </a:t>
             </a:r>
             <a:r>
-              <a:rPr lang="ko-KR" altLang="en-US" dirty="0" err="1" smtClean="0"/>
+              <a:rPr lang="ko-KR" altLang="en-US" strike="sngStrike" dirty="0" err="1" smtClean="0"/>
               <a:t>썼을때</a:t>
             </a:r>
             <a:r>
-              <a:rPr lang="ko-KR" altLang="en-US" dirty="0" smtClean="0"/>
+              <a:rPr lang="ko-KR" altLang="en-US" strike="sngStrike" dirty="0" smtClean="0"/>
               <a:t> 문제가 될까요</a:t>
             </a:r>
             <a:r>
-              <a:rPr lang="en-US" altLang="ko-KR" dirty="0" smtClean="0"/>
+              <a:rPr lang="en-US" altLang="ko-KR" strike="sngStrike" dirty="0" smtClean="0"/>
               <a:t>. (</a:t>
             </a:r>
             <a:r>
-              <a:rPr lang="ko-KR" altLang="en-US" dirty="0" err="1" smtClean="0"/>
+              <a:rPr lang="ko-KR" altLang="en-US" strike="sngStrike" dirty="0" err="1" smtClean="0"/>
               <a:t>라즈비안</a:t>
             </a:r>
             <a:r>
-              <a:rPr lang="en-US" altLang="ko-KR" dirty="0" smtClean="0"/>
-              <a:t>)</a:t>
-            </a:r>
+              <a:rPr lang="en-US" altLang="ko-KR" strike="sngStrike" dirty="0" smtClean="0"/>
+              <a:t>) =&gt; </a:t>
+            </a:r>
+            <a:r>
+              <a:rPr lang="ko-KR" altLang="en-US" strike="sngStrike" dirty="0" smtClean="0"/>
+              <a:t>주최측에서 </a:t>
+            </a:r>
+            <a:r>
+              <a:rPr lang="ko-KR" altLang="en-US" strike="sngStrike" dirty="0" err="1" smtClean="0"/>
+              <a:t>상관없다함</a:t>
+            </a:r>
+            <a:endParaRPr lang="en-US" altLang="ko-KR" strike="sngStrike" dirty="0" smtClean="0"/>
           </a:p>
           <a:p>
             <a:endParaRPr lang="en-US" altLang="ko-KR" dirty="0"/>
@@ -5230,37 +5251,55 @@
             </a:r>
             <a:r>
               <a:rPr lang="en-US" altLang="ko-KR" strike="sngStrike" dirty="0" smtClean="0"/>
-              <a:t>)</a:t>
-            </a:r>
+              <a:t>) =&gt; LG </a:t>
+            </a:r>
+            <a:r>
+              <a:rPr lang="en-US" altLang="ko-KR" strike="sngStrike" dirty="0" err="1" smtClean="0"/>
+              <a:t>ThinQ</a:t>
+            </a:r>
+            <a:r>
+              <a:rPr lang="en-US" altLang="ko-KR" strike="sngStrike" dirty="0" smtClean="0"/>
+              <a:t> </a:t>
+            </a:r>
+            <a:r>
+              <a:rPr lang="ko-KR" altLang="en-US" strike="sngStrike" dirty="0" smtClean="0"/>
+              <a:t>사용</a:t>
+            </a:r>
+            <a:endParaRPr lang="en-US" altLang="ko-KR" strike="sngStrike" dirty="0" smtClean="0"/>
           </a:p>
           <a:p>
             <a:endParaRPr lang="en-US" altLang="ko-KR" dirty="0"/>
           </a:p>
           <a:p>
             <a:r>
-              <a:rPr lang="ko-KR" altLang="en-US" dirty="0" smtClean="0"/>
+              <a:rPr lang="ko-KR" altLang="en-US" strike="sngStrike" dirty="0" smtClean="0"/>
               <a:t>추가 장비 또는 재정 지원 여부</a:t>
             </a:r>
             <a:r>
-              <a:rPr lang="en-US" altLang="ko-KR" dirty="0" smtClean="0"/>
+              <a:rPr lang="en-US" altLang="ko-KR" strike="sngStrike" dirty="0" smtClean="0"/>
               <a:t>. (</a:t>
             </a:r>
             <a:r>
-              <a:rPr lang="ko-KR" altLang="en-US" dirty="0" smtClean="0"/>
+              <a:rPr lang="ko-KR" altLang="en-US" strike="sngStrike" dirty="0" smtClean="0"/>
               <a:t>장소제공 </a:t>
             </a:r>
             <a:r>
-              <a:rPr lang="en-US" altLang="ko-KR" dirty="0" smtClean="0"/>
+              <a:rPr lang="en-US" altLang="ko-KR" strike="sngStrike" dirty="0" smtClean="0"/>
               <a:t>^^? </a:t>
             </a:r>
             <a:r>
-              <a:rPr lang="ko-KR" altLang="en-US" dirty="0" err="1" smtClean="0"/>
+              <a:rPr lang="ko-KR" altLang="en-US" strike="sngStrike" dirty="0" err="1" smtClean="0"/>
               <a:t>돈ㅋ</a:t>
             </a:r>
             <a:r>
-              <a:rPr lang="en-US" altLang="ko-KR" dirty="0" smtClean="0"/>
-              <a:t>)</a:t>
-            </a:r>
+              <a:rPr lang="en-US" altLang="ko-KR" strike="sngStrike" dirty="0" smtClean="0"/>
+              <a:t>) =&gt; X </a:t>
+            </a:r>
+            <a:r>
+              <a:rPr lang="ko-KR" altLang="en-US" strike="sngStrike" dirty="0" err="1" smtClean="0"/>
+              <a:t>안해쥼</a:t>
+            </a:r>
+            <a:endParaRPr lang="en-US" altLang="ko-KR" strike="sngStrike" dirty="0" smtClean="0"/>
           </a:p>
           <a:p>
             <a:endParaRPr lang="en-US" altLang="ko-KR" dirty="0"/>
@@ -5494,11 +5533,7 @@
             </a:r>
             <a:r>
               <a:rPr lang="ko-KR" altLang="en-US" dirty="0" smtClean="0"/>
-              <a:t> </a:t>
-            </a:r>
-            <a:r>
-              <a:rPr lang="ko-KR" altLang="en-US" dirty="0" smtClean="0"/>
-              <a:t>할거</a:t>
+              <a:t> 할거</a:t>
             </a:r>
             <a:endParaRPr lang="ko-KR" altLang="en-US" dirty="0"/>
           </a:p>
@@ -9949,7 +9984,7 @@
   <a:extraClrSchemeLst/>
   <a:extLst>
     <a:ext uri="{05A4C25C-085E-4340-85A3-A5531E510DB2}">
-      <thm15:themeFamily xmlns:thm15="http://schemas.microsoft.com/office/thememl/2012/main" xmlns="" name="Office Theme" id="{62F939B6-93AF-4DB8-9C6B-D6C7DFDC589F}" vid="{4A3C46E8-61CC-4603-A589-7422A47A8E4A}"/>
+      <thm15:themeFamily xmlns="" xmlns:thm15="http://schemas.microsoft.com/office/thememl/2012/main" name="Office Theme" id="{62F939B6-93AF-4DB8-9C6B-D6C7DFDC589F}" vid="{4A3C46E8-61CC-4603-A589-7422A47A8E4A}"/>
     </a:ext>
   </a:extLst>
 </a:theme>
